--- a/Online Document Dissemination (Presentation).pptx
+++ b/Online Document Dissemination (Presentation).pptx
@@ -19742,7 +19742,15 @@
             </a:pPr>
             <a:r>
               <a:rPr lang="en-PH" sz="1100" dirty="0" smtClean="0"/>
-              <a:t>An Online Document Management and Dissemination for West </a:t>
+              <a:t>An Online Document </a:t>
+            </a:r>
+            <a:r>
+              <a:rPr lang="en-PH" sz="1100" dirty="0" smtClean="0"/>
+              <a:t>Dissemination </a:t>
+            </a:r>
+            <a:r>
+              <a:rPr lang="en-PH" sz="1100" dirty="0" smtClean="0"/>
+              <a:t>for West </a:t>
             </a:r>
             <a:r>
               <a:rPr lang="en-PH" sz="1100" dirty="0" err="1" smtClean="0"/>
@@ -19831,7 +19839,7 @@
         </p:nvGraphicFramePr>
         <p:xfrm>
           <a:off x="952500" y="1581150"/>
-          <a:ext cx="3000000" cy="3000000"/>
+          <a:ext cx="7239000" cy="3139320"/>
         </p:xfrm>
         <a:graphic>
           <a:graphicData uri="http://schemas.openxmlformats.org/drawingml/2006/table">
@@ -20511,7 +20519,7 @@
         </p:nvGraphicFramePr>
         <p:xfrm>
           <a:off x="952500" y="1581150"/>
-          <a:ext cx="3000000" cy="3000000"/>
+          <a:ext cx="7239000" cy="1661100"/>
         </p:xfrm>
         <a:graphic>
           <a:graphicData uri="http://schemas.openxmlformats.org/drawingml/2006/table">
@@ -21142,7 +21150,7 @@
           <a:p>
             <a:pPr marL="0" lvl="0" indent="0" algn="ctr" rtl="0">
               <a:lnSpc>
-                <a:spcPct val="90000"/>
+                <a:spcPct val="150000"/>
               </a:lnSpc>
               <a:spcBef>
                 <a:spcPts val="0"/>
@@ -21158,10 +21166,14 @@
               <a:buNone/>
             </a:pPr>
             <a:r>
-              <a:rPr lang="en" sz="1400"/>
-              <a:t>BUSINESS PROCESS</a:t>
+              <a:rPr lang="en" sz="1400" dirty="0"/>
+              <a:t>BUSINESS </a:t>
             </a:r>
-            <a:endParaRPr sz="1400"/>
+            <a:r>
+              <a:rPr lang="en" sz="1400" dirty="0" smtClean="0"/>
+              <a:t>PROCESS</a:t>
+            </a:r>
+            <a:endParaRPr sz="1400" dirty="0"/>
           </a:p>
         </p:txBody>
       </p:sp>
@@ -21415,7 +21427,7 @@
         </p:nvSpPr>
         <p:spPr>
           <a:xfrm>
-            <a:off x="2486602" y="2932909"/>
+            <a:off x="1936592" y="2932909"/>
             <a:ext cx="695638" cy="526757"/>
           </a:xfrm>
           <a:prstGeom prst="roundRect">
@@ -21483,7 +21495,7 @@
         </p:nvCxnSpPr>
         <p:spPr>
           <a:xfrm>
-            <a:off x="1427735" y="2797897"/>
+            <a:off x="1132106" y="2797897"/>
             <a:ext cx="12445" cy="1584000"/>
           </a:xfrm>
           <a:prstGeom prst="straightConnector1">
@@ -21503,71 +21515,13 @@
       </p:cxnSp>
       <p:sp>
         <p:nvSpPr>
-          <p:cNvPr id="166" name="Google Shape;166;p29"/>
+          <p:cNvPr id="168" name="Google Shape;168;p29"/>
           <p:cNvSpPr/>
           <p:nvPr/>
         </p:nvSpPr>
         <p:spPr>
           <a:xfrm>
-            <a:off x="4303512" y="1738588"/>
-            <a:ext cx="1002982" cy="666750"/>
-          </a:xfrm>
-          <a:prstGeom prst="flowChartDecision">
-            <a:avLst/>
-          </a:prstGeom>
-          <a:solidFill>
-            <a:srgbClr val="D8D8D8"/>
-          </a:solidFill>
-          <a:ln w="12700" cap="flat" cmpd="sng">
-            <a:solidFill>
-              <a:srgbClr val="964D24"/>
-            </a:solidFill>
-            <a:prstDash val="solid"/>
-            <a:round/>
-            <a:headEnd type="none" w="sm" len="sm"/>
-            <a:tailEnd type="none" w="sm" len="sm"/>
-          </a:ln>
-        </p:spPr>
-        <p:txBody>
-          <a:bodyPr spcFirstLastPara="1" wrap="square" lIns="68575" tIns="34275" rIns="68575" bIns="34275" anchor="ctr" anchorCtr="0">
-            <a:noAutofit/>
-          </a:bodyPr>
-          <a:lstStyle/>
-          <a:p>
-            <a:pPr marL="0" marR="0" lvl="0" indent="0" algn="ctr" rtl="0">
-              <a:spcBef>
-                <a:spcPts val="0"/>
-              </a:spcBef>
-              <a:spcAft>
-                <a:spcPts val="0"/>
-              </a:spcAft>
-              <a:buNone/>
-            </a:pPr>
-            <a:r>
-              <a:rPr lang="en" sz="600" dirty="0">
-                <a:solidFill>
-                  <a:schemeClr val="dk1"/>
-                </a:solidFill>
-                <a:latin typeface="Gill Sans"/>
-                <a:ea typeface="Gill Sans"/>
-                <a:cs typeface="Gill Sans"/>
-                <a:sym typeface="Gill Sans"/>
-              </a:rPr>
-              <a:t>Documents approved?</a:t>
-            </a:r>
-            <a:endParaRPr sz="1100" dirty="0"/>
-          </a:p>
-        </p:txBody>
-      </p:sp>
-      <p:sp>
-        <p:nvSpPr>
-          <p:cNvPr id="167" name="Google Shape;167;p29"/>
-          <p:cNvSpPr/>
-          <p:nvPr/>
-        </p:nvSpPr>
-        <p:spPr>
-          <a:xfrm>
-            <a:off x="6590527" y="1862484"/>
+            <a:off x="6688594" y="3741755"/>
             <a:ext cx="695638" cy="526757"/>
           </a:xfrm>
           <a:prstGeom prst="roundRect">
@@ -21604,7 +21558,7 @@
               <a:buNone/>
             </a:pPr>
             <a:r>
-              <a:rPr lang="en" sz="700">
+              <a:rPr lang="en" sz="700" dirty="0" smtClean="0">
                 <a:solidFill>
                   <a:schemeClr val="dk1"/>
                 </a:solidFill>
@@ -21613,211 +21567,7 @@
                 <a:cs typeface="Gill Sans"/>
                 <a:sym typeface="Gill Sans"/>
               </a:rPr>
-              <a:t>Fill out required fields to the system</a:t>
-            </a:r>
-            <a:endParaRPr sz="700">
-              <a:solidFill>
-                <a:schemeClr val="dk1"/>
-              </a:solidFill>
-              <a:latin typeface="Gill Sans"/>
-              <a:ea typeface="Gill Sans"/>
-              <a:cs typeface="Gill Sans"/>
-              <a:sym typeface="Gill Sans"/>
-            </a:endParaRPr>
-          </a:p>
-        </p:txBody>
-      </p:sp>
-      <p:sp>
-        <p:nvSpPr>
-          <p:cNvPr id="168" name="Google Shape;168;p29"/>
-          <p:cNvSpPr/>
-          <p:nvPr/>
-        </p:nvSpPr>
-        <p:spPr>
-          <a:xfrm>
-            <a:off x="6035040" y="2932910"/>
-            <a:ext cx="695638" cy="526757"/>
-          </a:xfrm>
-          <a:prstGeom prst="roundRect">
-            <a:avLst>
-              <a:gd name="adj" fmla="val 16667"/>
-            </a:avLst>
-          </a:prstGeom>
-          <a:solidFill>
-            <a:srgbClr val="D8D8D8"/>
-          </a:solidFill>
-          <a:ln w="12700" cap="flat" cmpd="sng">
-            <a:solidFill>
-              <a:srgbClr val="924B23"/>
-            </a:solidFill>
-            <a:prstDash val="solid"/>
-            <a:round/>
-            <a:headEnd type="none" w="sm" len="sm"/>
-            <a:tailEnd type="none" w="sm" len="sm"/>
-          </a:ln>
-        </p:spPr>
-        <p:txBody>
-          <a:bodyPr spcFirstLastPara="1" wrap="square" lIns="68575" tIns="34275" rIns="68575" bIns="34275" anchor="ctr" anchorCtr="0">
-            <a:noAutofit/>
-          </a:bodyPr>
-          <a:lstStyle/>
-          <a:p>
-            <a:pPr marL="0" marR="0" lvl="0" indent="0" algn="ctr" rtl="0">
-              <a:spcBef>
-                <a:spcPts val="0"/>
-              </a:spcBef>
-              <a:spcAft>
-                <a:spcPts val="0"/>
-              </a:spcAft>
-              <a:buNone/>
-            </a:pPr>
-            <a:r>
-              <a:rPr lang="en" sz="700">
-                <a:solidFill>
-                  <a:schemeClr val="dk1"/>
-                </a:solidFill>
-                <a:latin typeface="Gill Sans"/>
-                <a:ea typeface="Gill Sans"/>
-                <a:cs typeface="Gill Sans"/>
-                <a:sym typeface="Gill Sans"/>
-              </a:rPr>
-              <a:t>Upload Records</a:t>
-            </a:r>
-            <a:endParaRPr sz="700">
-              <a:solidFill>
-                <a:schemeClr val="dk1"/>
-              </a:solidFill>
-              <a:latin typeface="Gill Sans"/>
-              <a:ea typeface="Gill Sans"/>
-              <a:cs typeface="Gill Sans"/>
-              <a:sym typeface="Gill Sans"/>
-            </a:endParaRPr>
-          </a:p>
-        </p:txBody>
-      </p:sp>
-      <p:sp>
-        <p:nvSpPr>
-          <p:cNvPr id="169" name="Google Shape;169;p29"/>
-          <p:cNvSpPr/>
-          <p:nvPr/>
-        </p:nvSpPr>
-        <p:spPr>
-          <a:xfrm>
-            <a:off x="6035040" y="3769975"/>
-            <a:ext cx="695638" cy="526757"/>
-          </a:xfrm>
-          <a:prstGeom prst="roundRect">
-            <a:avLst>
-              <a:gd name="adj" fmla="val 16667"/>
-            </a:avLst>
-          </a:prstGeom>
-          <a:solidFill>
-            <a:srgbClr val="D8D8D8"/>
-          </a:solidFill>
-          <a:ln w="12700" cap="flat" cmpd="sng">
-            <a:solidFill>
-              <a:srgbClr val="924B23"/>
-            </a:solidFill>
-            <a:prstDash val="solid"/>
-            <a:round/>
-            <a:headEnd type="none" w="sm" len="sm"/>
-            <a:tailEnd type="none" w="sm" len="sm"/>
-          </a:ln>
-        </p:spPr>
-        <p:txBody>
-          <a:bodyPr spcFirstLastPara="1" wrap="square" lIns="68575" tIns="34275" rIns="68575" bIns="34275" anchor="ctr" anchorCtr="0">
-            <a:noAutofit/>
-          </a:bodyPr>
-          <a:lstStyle/>
-          <a:p>
-            <a:pPr marL="0" marR="0" lvl="0" indent="0" algn="ctr" rtl="0">
-              <a:spcBef>
-                <a:spcPts val="0"/>
-              </a:spcBef>
-              <a:spcAft>
-                <a:spcPts val="0"/>
-              </a:spcAft>
-              <a:buNone/>
-            </a:pPr>
-            <a:r>
-              <a:rPr lang="en" sz="700">
-                <a:solidFill>
-                  <a:schemeClr val="dk1"/>
-                </a:solidFill>
-                <a:latin typeface="Gill Sans"/>
-                <a:ea typeface="Gill Sans"/>
-                <a:cs typeface="Gill Sans"/>
-                <a:sym typeface="Gill Sans"/>
-              </a:rPr>
-              <a:t>Notification to users</a:t>
-            </a:r>
-            <a:endParaRPr sz="700">
-              <a:solidFill>
-                <a:schemeClr val="dk1"/>
-              </a:solidFill>
-              <a:latin typeface="Gill Sans"/>
-              <a:ea typeface="Gill Sans"/>
-              <a:cs typeface="Gill Sans"/>
-              <a:sym typeface="Gill Sans"/>
-            </a:endParaRPr>
-          </a:p>
-        </p:txBody>
-      </p:sp>
-      <p:sp>
-        <p:nvSpPr>
-          <p:cNvPr id="170" name="Google Shape;170;p29"/>
-          <p:cNvSpPr/>
-          <p:nvPr/>
-        </p:nvSpPr>
-        <p:spPr>
-          <a:xfrm>
-            <a:off x="3128329" y="2118224"/>
-            <a:ext cx="695638" cy="526757"/>
-          </a:xfrm>
-          <a:prstGeom prst="roundRect">
-            <a:avLst>
-              <a:gd name="adj" fmla="val 16667"/>
-            </a:avLst>
-          </a:prstGeom>
-          <a:solidFill>
-            <a:srgbClr val="D8D8D8"/>
-          </a:solidFill>
-          <a:ln w="12700" cap="flat" cmpd="sng">
-            <a:solidFill>
-              <a:srgbClr val="924B23"/>
-            </a:solidFill>
-            <a:prstDash val="solid"/>
-            <a:round/>
-            <a:headEnd type="none" w="sm" len="sm"/>
-            <a:tailEnd type="none" w="sm" len="sm"/>
-          </a:ln>
-        </p:spPr>
-        <p:txBody>
-          <a:bodyPr spcFirstLastPara="1" wrap="square" lIns="68575" tIns="34275" rIns="68575" bIns="34275" anchor="ctr" anchorCtr="0">
-            <a:noAutofit/>
-          </a:bodyPr>
-          <a:lstStyle/>
-          <a:p>
-            <a:pPr marL="0" marR="0" lvl="0" indent="0" algn="ctr" rtl="0">
-              <a:spcBef>
-                <a:spcPts val="0"/>
-              </a:spcBef>
-              <a:spcAft>
-                <a:spcPts val="0"/>
-              </a:spcAft>
-              <a:buNone/>
-            </a:pPr>
-            <a:r>
-              <a:rPr lang="en" sz="700" dirty="0">
-                <a:solidFill>
-                  <a:schemeClr val="dk1"/>
-                </a:solidFill>
-                <a:latin typeface="Gill Sans"/>
-                <a:ea typeface="Gill Sans"/>
-                <a:cs typeface="Gill Sans"/>
-                <a:sym typeface="Gill Sans"/>
-              </a:rPr>
-              <a:t>Notification to document owner</a:t>
+              <a:t>Log in to the system</a:t>
             </a:r>
             <a:endParaRPr sz="700" dirty="0">
               <a:solidFill>
@@ -21833,82 +21583,14 @@
       </p:sp>
       <p:sp>
         <p:nvSpPr>
-          <p:cNvPr id="171" name="Google Shape;171;p29"/>
+          <p:cNvPr id="174" name="Google Shape;174;p29"/>
           <p:cNvSpPr/>
           <p:nvPr/>
         </p:nvSpPr>
         <p:spPr>
           <a:xfrm>
-            <a:off x="7440924" y="3769975"/>
-            <a:ext cx="837000" cy="526800"/>
-          </a:xfrm>
-          <a:prstGeom prst="roundRect">
-            <a:avLst>
-              <a:gd name="adj" fmla="val 16667"/>
-            </a:avLst>
-          </a:prstGeom>
-          <a:solidFill>
-            <a:srgbClr val="D8D8D8"/>
-          </a:solidFill>
-          <a:ln w="12700" cap="flat" cmpd="sng">
-            <a:solidFill>
-              <a:srgbClr val="924B23"/>
-            </a:solidFill>
-            <a:prstDash val="solid"/>
-            <a:round/>
-            <a:headEnd type="none" w="sm" len="sm"/>
-            <a:tailEnd type="none" w="sm" len="sm"/>
-          </a:ln>
-        </p:spPr>
-        <p:txBody>
-          <a:bodyPr spcFirstLastPara="1" wrap="square" lIns="68575" tIns="34275" rIns="68575" bIns="34275" anchor="ctr" anchorCtr="0">
-            <a:noAutofit/>
-          </a:bodyPr>
-          <a:lstStyle/>
-          <a:p>
-            <a:pPr marL="0" marR="0" lvl="0" indent="0" algn="ctr" rtl="0">
-              <a:spcBef>
-                <a:spcPts val="0"/>
-              </a:spcBef>
-              <a:spcAft>
-                <a:spcPts val="0"/>
-              </a:spcAft>
-              <a:buNone/>
-            </a:pPr>
-            <a:r>
-              <a:rPr lang="en" sz="700">
-                <a:solidFill>
-                  <a:schemeClr val="dk1"/>
-                </a:solidFill>
-                <a:latin typeface="Gill Sans"/>
-                <a:ea typeface="Gill Sans"/>
-                <a:cs typeface="Gill Sans"/>
-                <a:sym typeface="Gill Sans"/>
-              </a:rPr>
-              <a:t>View/download records</a:t>
-            </a:r>
-            <a:endParaRPr sz="700">
-              <a:solidFill>
-                <a:schemeClr val="dk1"/>
-              </a:solidFill>
-              <a:latin typeface="Gill Sans"/>
-              <a:ea typeface="Gill Sans"/>
-              <a:cs typeface="Gill Sans"/>
-              <a:sym typeface="Gill Sans"/>
-            </a:endParaRPr>
-          </a:p>
-        </p:txBody>
-      </p:sp>
-      <p:sp>
-        <p:nvSpPr>
-          <p:cNvPr id="173" name="Google Shape;173;p29"/>
-          <p:cNvSpPr/>
-          <p:nvPr/>
-        </p:nvSpPr>
-        <p:spPr>
-          <a:xfrm>
-            <a:off x="5623051" y="2450770"/>
-            <a:ext cx="294916" cy="72043"/>
+            <a:off x="3691175" y="3178600"/>
+            <a:ext cx="144000" cy="72043"/>
           </a:xfrm>
           <a:prstGeom prst="rightArrow">
             <a:avLst>
@@ -21958,242 +21640,14 @@
       </p:sp>
       <p:sp>
         <p:nvSpPr>
-          <p:cNvPr id="174" name="Google Shape;174;p29"/>
-          <p:cNvSpPr/>
-          <p:nvPr/>
-        </p:nvSpPr>
-        <p:spPr>
-          <a:xfrm>
-            <a:off x="5552459" y="3165004"/>
-            <a:ext cx="294916" cy="72043"/>
-          </a:xfrm>
-          <a:prstGeom prst="rightArrow">
-            <a:avLst>
-              <a:gd name="adj1" fmla="val 50000"/>
-              <a:gd name="adj2" fmla="val 50000"/>
-            </a:avLst>
-          </a:prstGeom>
-          <a:solidFill>
-            <a:srgbClr val="C67C07"/>
-          </a:solidFill>
-          <a:ln w="12700" cap="flat" cmpd="sng">
-            <a:solidFill>
-              <a:srgbClr val="C67C07"/>
-            </a:solidFill>
-            <a:prstDash val="solid"/>
-            <a:round/>
-            <a:headEnd type="none" w="sm" len="sm"/>
-            <a:tailEnd type="none" w="sm" len="sm"/>
-          </a:ln>
-        </p:spPr>
-        <p:txBody>
-          <a:bodyPr spcFirstLastPara="1" wrap="square" lIns="68575" tIns="34275" rIns="68575" bIns="34275" anchor="ctr" anchorCtr="0">
-            <a:noAutofit/>
-          </a:bodyPr>
-          <a:lstStyle/>
-          <a:p>
-            <a:pPr marL="0" marR="0" lvl="0" indent="0" algn="ctr" rtl="0">
-              <a:spcBef>
-                <a:spcPts val="0"/>
-              </a:spcBef>
-              <a:spcAft>
-                <a:spcPts val="0"/>
-              </a:spcAft>
-              <a:buNone/>
-            </a:pPr>
-            <a:endParaRPr sz="1400">
-              <a:solidFill>
-                <a:schemeClr val="lt1"/>
-              </a:solidFill>
-              <a:latin typeface="Gill Sans"/>
-              <a:ea typeface="Gill Sans"/>
-              <a:cs typeface="Gill Sans"/>
-              <a:sym typeface="Gill Sans"/>
-            </a:endParaRPr>
-          </a:p>
-        </p:txBody>
-      </p:sp>
-      <p:sp>
-        <p:nvSpPr>
-          <p:cNvPr id="175" name="Google Shape;175;p29"/>
-          <p:cNvSpPr/>
-          <p:nvPr/>
-        </p:nvSpPr>
-        <p:spPr>
-          <a:xfrm>
-            <a:off x="6938346" y="3980660"/>
-            <a:ext cx="294916" cy="72043"/>
-          </a:xfrm>
-          <a:prstGeom prst="rightArrow">
-            <a:avLst>
-              <a:gd name="adj1" fmla="val 50000"/>
-              <a:gd name="adj2" fmla="val 50000"/>
-            </a:avLst>
-          </a:prstGeom>
-          <a:solidFill>
-            <a:srgbClr val="C67C07"/>
-          </a:solidFill>
-          <a:ln w="12700" cap="flat" cmpd="sng">
-            <a:solidFill>
-              <a:srgbClr val="C67C07"/>
-            </a:solidFill>
-            <a:prstDash val="solid"/>
-            <a:round/>
-            <a:headEnd type="none" w="sm" len="sm"/>
-            <a:tailEnd type="none" w="sm" len="sm"/>
-          </a:ln>
-        </p:spPr>
-        <p:txBody>
-          <a:bodyPr spcFirstLastPara="1" wrap="square" lIns="68575" tIns="34275" rIns="68575" bIns="34275" anchor="ctr" anchorCtr="0">
-            <a:noAutofit/>
-          </a:bodyPr>
-          <a:lstStyle/>
-          <a:p>
-            <a:pPr marL="0" marR="0" lvl="0" indent="0" algn="ctr" rtl="0">
-              <a:spcBef>
-                <a:spcPts val="0"/>
-              </a:spcBef>
-              <a:spcAft>
-                <a:spcPts val="0"/>
-              </a:spcAft>
-              <a:buNone/>
-            </a:pPr>
-            <a:endParaRPr sz="1400">
-              <a:solidFill>
-                <a:schemeClr val="lt1"/>
-              </a:solidFill>
-              <a:latin typeface="Gill Sans"/>
-              <a:ea typeface="Gill Sans"/>
-              <a:cs typeface="Gill Sans"/>
-              <a:sym typeface="Gill Sans"/>
-            </a:endParaRPr>
-          </a:p>
-        </p:txBody>
-      </p:sp>
-      <p:sp>
-        <p:nvSpPr>
-          <p:cNvPr id="177" name="Google Shape;177;p29"/>
-          <p:cNvSpPr/>
-          <p:nvPr/>
-        </p:nvSpPr>
-        <p:spPr>
-          <a:xfrm rot="5400000" flipH="1">
-            <a:off x="5665393" y="2034348"/>
-            <a:ext cx="135000" cy="75231"/>
-          </a:xfrm>
-          <a:prstGeom prst="rightArrow">
-            <a:avLst>
-              <a:gd name="adj1" fmla="val 50000"/>
-              <a:gd name="adj2" fmla="val 50000"/>
-            </a:avLst>
-          </a:prstGeom>
-          <a:solidFill>
-            <a:srgbClr val="C67C07"/>
-          </a:solidFill>
-          <a:ln w="12700" cap="flat" cmpd="sng">
-            <a:solidFill>
-              <a:srgbClr val="C67C07"/>
-            </a:solidFill>
-            <a:prstDash val="solid"/>
-            <a:round/>
-            <a:headEnd type="none" w="sm" len="sm"/>
-            <a:tailEnd type="none" w="sm" len="sm"/>
-          </a:ln>
-        </p:spPr>
-        <p:txBody>
-          <a:bodyPr spcFirstLastPara="1" wrap="square" lIns="68575" tIns="34275" rIns="68575" bIns="34275" anchor="ctr" anchorCtr="0">
-            <a:noAutofit/>
-          </a:bodyPr>
-          <a:lstStyle/>
-          <a:p>
-            <a:pPr marL="0" marR="0" lvl="0" indent="0" algn="ctr" rtl="0">
-              <a:spcBef>
-                <a:spcPts val="0"/>
-              </a:spcBef>
-              <a:spcAft>
-                <a:spcPts val="0"/>
-              </a:spcAft>
-              <a:buNone/>
-            </a:pPr>
-            <a:endParaRPr sz="1400">
-              <a:solidFill>
-                <a:schemeClr val="lt1"/>
-              </a:solidFill>
-              <a:latin typeface="Gill Sans"/>
-              <a:ea typeface="Gill Sans"/>
-              <a:cs typeface="Gill Sans"/>
-              <a:sym typeface="Gill Sans"/>
-            </a:endParaRPr>
-          </a:p>
-        </p:txBody>
-      </p:sp>
-      <p:sp>
-        <p:nvSpPr>
-          <p:cNvPr id="178" name="Google Shape;178;p29"/>
-          <p:cNvSpPr/>
-          <p:nvPr/>
-        </p:nvSpPr>
-        <p:spPr>
-          <a:xfrm rot="5400000">
-            <a:off x="5662982" y="2251447"/>
-            <a:ext cx="135000" cy="75231"/>
-          </a:xfrm>
-          <a:prstGeom prst="rightArrow">
-            <a:avLst>
-              <a:gd name="adj1" fmla="val 50000"/>
-              <a:gd name="adj2" fmla="val 50000"/>
-            </a:avLst>
-          </a:prstGeom>
-          <a:solidFill>
-            <a:srgbClr val="C67C07"/>
-          </a:solidFill>
-          <a:ln w="12700" cap="flat" cmpd="sng">
-            <a:solidFill>
-              <a:srgbClr val="C67C07"/>
-            </a:solidFill>
-            <a:prstDash val="solid"/>
-            <a:round/>
-            <a:headEnd type="none" w="sm" len="sm"/>
-            <a:tailEnd type="none" w="sm" len="sm"/>
-          </a:ln>
-        </p:spPr>
-        <p:txBody>
-          <a:bodyPr spcFirstLastPara="1" wrap="square" lIns="68575" tIns="34275" rIns="68575" bIns="34275" anchor="ctr" anchorCtr="0">
-            <a:noAutofit/>
-          </a:bodyPr>
-          <a:lstStyle/>
-          <a:p>
-            <a:pPr marL="0" marR="0" lvl="0" indent="0" algn="ctr" rtl="0">
-              <a:spcBef>
-                <a:spcPts val="0"/>
-              </a:spcBef>
-              <a:spcAft>
-                <a:spcPts val="0"/>
-              </a:spcAft>
-              <a:buNone/>
-            </a:pPr>
-            <a:endParaRPr sz="1400">
-              <a:solidFill>
-                <a:schemeClr val="lt1"/>
-              </a:solidFill>
-              <a:latin typeface="Gill Sans"/>
-              <a:ea typeface="Gill Sans"/>
-              <a:cs typeface="Gill Sans"/>
-              <a:sym typeface="Gill Sans"/>
-            </a:endParaRPr>
-          </a:p>
-        </p:txBody>
-      </p:sp>
-      <p:sp>
-        <p:nvSpPr>
-          <p:cNvPr id="179" name="Google Shape;179;p29"/>
+          <p:cNvPr id="180" name="Google Shape;180;p29"/>
           <p:cNvSpPr txBox="1"/>
           <p:nvPr/>
         </p:nvSpPr>
         <p:spPr>
           <a:xfrm>
-            <a:off x="3476150" y="2731900"/>
-            <a:ext cx="315300" cy="173100"/>
+            <a:off x="1625473" y="2176250"/>
+            <a:ext cx="783303" cy="372135"/>
           </a:xfrm>
           <a:prstGeom prst="rect">
             <a:avLst/>
@@ -22219,7 +21673,7 @@
               <a:buNone/>
             </a:pPr>
             <a:r>
-              <a:rPr lang="en" sz="700">
+              <a:rPr lang="en" sz="900" dirty="0" smtClean="0">
                 <a:solidFill>
                   <a:schemeClr val="dk1"/>
                 </a:solidFill>
@@ -22228,67 +21682,9 @@
                 <a:cs typeface="Gill Sans"/>
                 <a:sym typeface="Gill Sans"/>
               </a:rPr>
-              <a:t>No</a:t>
+              <a:t>Account Registration</a:t>
             </a:r>
-            <a:endParaRPr sz="700">
-              <a:solidFill>
-                <a:schemeClr val="dk1"/>
-              </a:solidFill>
-              <a:latin typeface="Gill Sans"/>
-              <a:ea typeface="Gill Sans"/>
-              <a:cs typeface="Gill Sans"/>
-              <a:sym typeface="Gill Sans"/>
-            </a:endParaRPr>
-          </a:p>
-        </p:txBody>
-      </p:sp>
-      <p:sp>
-        <p:nvSpPr>
-          <p:cNvPr id="180" name="Google Shape;180;p29"/>
-          <p:cNvSpPr txBox="1"/>
-          <p:nvPr/>
-        </p:nvSpPr>
-        <p:spPr>
-          <a:xfrm>
-            <a:off x="6056068" y="1937324"/>
-            <a:ext cx="364407" cy="173124"/>
-          </a:xfrm>
-          <a:prstGeom prst="rect">
-            <a:avLst/>
-          </a:prstGeom>
-          <a:noFill/>
-          <a:ln>
-            <a:noFill/>
-          </a:ln>
-        </p:spPr>
-        <p:txBody>
-          <a:bodyPr spcFirstLastPara="1" wrap="square" lIns="68575" tIns="34275" rIns="68575" bIns="34275" anchor="t" anchorCtr="0">
-            <a:noAutofit/>
-          </a:bodyPr>
-          <a:lstStyle/>
-          <a:p>
-            <a:pPr marL="0" marR="0" lvl="0" indent="0" algn="l" rtl="0">
-              <a:spcBef>
-                <a:spcPts val="0"/>
-              </a:spcBef>
-              <a:spcAft>
-                <a:spcPts val="0"/>
-              </a:spcAft>
-              <a:buNone/>
-            </a:pPr>
-            <a:r>
-              <a:rPr lang="en" sz="700" dirty="0">
-                <a:solidFill>
-                  <a:schemeClr val="dk1"/>
-                </a:solidFill>
-                <a:latin typeface="Gill Sans"/>
-                <a:ea typeface="Gill Sans"/>
-                <a:cs typeface="Gill Sans"/>
-                <a:sym typeface="Gill Sans"/>
-              </a:rPr>
-              <a:t>Yes</a:t>
-            </a:r>
-            <a:endParaRPr sz="700" dirty="0">
+            <a:endParaRPr sz="900" dirty="0">
               <a:solidFill>
                 <a:schemeClr val="dk1"/>
               </a:solidFill>
@@ -22308,7 +21704,7 @@
         </p:nvSpPr>
         <p:spPr>
           <a:xfrm>
-            <a:off x="1651494" y="3741755"/>
+            <a:off x="1238984" y="3741755"/>
             <a:ext cx="695638" cy="526757"/>
           </a:xfrm>
           <a:prstGeom prst="roundRect">
@@ -22376,8 +21772,8 @@
         </p:nvSpPr>
         <p:spPr>
           <a:xfrm>
-            <a:off x="2436839" y="3879188"/>
-            <a:ext cx="324000" cy="108000"/>
+            <a:off x="2003704" y="3879188"/>
+            <a:ext cx="216000" cy="108000"/>
           </a:xfrm>
           <a:prstGeom prst="bentUpArrow">
             <a:avLst/>
@@ -22410,14 +21806,176 @@
       </p:sp>
       <p:sp>
         <p:nvSpPr>
-          <p:cNvPr id="30" name="Google Shape;173;p29"/>
+          <p:cNvPr id="31" name="Google Shape;170;p29"/>
           <p:cNvSpPr/>
           <p:nvPr/>
         </p:nvSpPr>
         <p:spPr>
           <a:xfrm>
-            <a:off x="3295236" y="3182225"/>
-            <a:ext cx="294916" cy="72043"/>
+            <a:off x="2939032" y="2932908"/>
+            <a:ext cx="695638" cy="526757"/>
+          </a:xfrm>
+          <a:prstGeom prst="roundRect">
+            <a:avLst>
+              <a:gd name="adj" fmla="val 16667"/>
+            </a:avLst>
+          </a:prstGeom>
+          <a:solidFill>
+            <a:srgbClr val="D8D8D8"/>
+          </a:solidFill>
+          <a:ln w="12700" cap="flat" cmpd="sng">
+            <a:solidFill>
+              <a:srgbClr val="924B23"/>
+            </a:solidFill>
+            <a:prstDash val="solid"/>
+            <a:round/>
+            <a:headEnd type="none" w="sm" len="sm"/>
+            <a:tailEnd type="none" w="sm" len="sm"/>
+          </a:ln>
+        </p:spPr>
+        <p:txBody>
+          <a:bodyPr spcFirstLastPara="1" wrap="square" lIns="68575" tIns="34275" rIns="68575" bIns="34275" anchor="ctr" anchorCtr="0">
+            <a:noAutofit/>
+          </a:bodyPr>
+          <a:lstStyle/>
+          <a:p>
+            <a:pPr marL="0" marR="0" lvl="0" indent="0" algn="ctr" rtl="0">
+              <a:spcBef>
+                <a:spcPts val="0"/>
+              </a:spcBef>
+              <a:spcAft>
+                <a:spcPts val="0"/>
+              </a:spcAft>
+              <a:buNone/>
+            </a:pPr>
+            <a:r>
+              <a:rPr lang="en" sz="700" dirty="0" smtClean="0">
+                <a:solidFill>
+                  <a:schemeClr val="dk1"/>
+                </a:solidFill>
+                <a:latin typeface="Gill Sans"/>
+                <a:ea typeface="Gill Sans"/>
+                <a:cs typeface="Gill Sans"/>
+                <a:sym typeface="Gill Sans"/>
+              </a:rPr>
+              <a:t>Scan the Document</a:t>
+            </a:r>
+            <a:endParaRPr sz="700" dirty="0">
+              <a:solidFill>
+                <a:schemeClr val="dk1"/>
+              </a:solidFill>
+              <a:latin typeface="Gill Sans"/>
+              <a:ea typeface="Gill Sans"/>
+              <a:cs typeface="Gill Sans"/>
+              <a:sym typeface="Gill Sans"/>
+            </a:endParaRPr>
+          </a:p>
+        </p:txBody>
+      </p:sp>
+      <p:cxnSp>
+        <p:nvCxnSpPr>
+          <p:cNvPr id="26" name="Google Shape;164;p29"/>
+          <p:cNvCxnSpPr/>
+          <p:nvPr/>
+        </p:nvCxnSpPr>
+        <p:spPr>
+          <a:xfrm>
+            <a:off x="2767448" y="2781655"/>
+            <a:ext cx="12445" cy="1584000"/>
+          </a:xfrm>
+          <a:prstGeom prst="straightConnector1">
+            <a:avLst/>
+          </a:prstGeom>
+          <a:noFill/>
+          <a:ln w="9525" cap="flat" cmpd="sng">
+            <a:solidFill>
+              <a:schemeClr val="dk1"/>
+            </a:solidFill>
+            <a:prstDash val="solid"/>
+            <a:round/>
+            <a:headEnd type="none" w="sm" len="sm"/>
+            <a:tailEnd type="none" w="sm" len="sm"/>
+          </a:ln>
+        </p:spPr>
+      </p:cxnSp>
+      <p:sp>
+        <p:nvSpPr>
+          <p:cNvPr id="29" name="Google Shape;170;p29"/>
+          <p:cNvSpPr/>
+          <p:nvPr/>
+        </p:nvSpPr>
+        <p:spPr>
+          <a:xfrm>
+            <a:off x="3892755" y="2932908"/>
+            <a:ext cx="695638" cy="526757"/>
+          </a:xfrm>
+          <a:prstGeom prst="roundRect">
+            <a:avLst>
+              <a:gd name="adj" fmla="val 16667"/>
+            </a:avLst>
+          </a:prstGeom>
+          <a:solidFill>
+            <a:srgbClr val="D8D8D8"/>
+          </a:solidFill>
+          <a:ln w="12700" cap="flat" cmpd="sng">
+            <a:solidFill>
+              <a:srgbClr val="924B23"/>
+            </a:solidFill>
+            <a:prstDash val="solid"/>
+            <a:round/>
+            <a:headEnd type="none" w="sm" len="sm"/>
+            <a:tailEnd type="none" w="sm" len="sm"/>
+          </a:ln>
+        </p:spPr>
+        <p:txBody>
+          <a:bodyPr spcFirstLastPara="1" wrap="square" lIns="68575" tIns="34275" rIns="68575" bIns="34275" anchor="ctr" anchorCtr="0">
+            <a:noAutofit/>
+          </a:bodyPr>
+          <a:lstStyle/>
+          <a:p>
+            <a:pPr marL="0" marR="0" lvl="0" indent="0" algn="ctr" rtl="0">
+              <a:spcBef>
+                <a:spcPts val="0"/>
+              </a:spcBef>
+              <a:spcAft>
+                <a:spcPts val="0"/>
+              </a:spcAft>
+              <a:buNone/>
+            </a:pPr>
+            <a:r>
+              <a:rPr lang="en" sz="700" dirty="0" smtClean="0">
+                <a:solidFill>
+                  <a:schemeClr val="dk1"/>
+                </a:solidFill>
+                <a:latin typeface="Gill Sans"/>
+                <a:ea typeface="Gill Sans"/>
+                <a:cs typeface="Gill Sans"/>
+                <a:sym typeface="Gill Sans"/>
+              </a:rPr>
+              <a:t>Fills out document information</a:t>
+            </a:r>
+            <a:endParaRPr sz="700" dirty="0">
+              <a:solidFill>
+                <a:schemeClr val="dk1"/>
+              </a:solidFill>
+              <a:latin typeface="Gill Sans"/>
+              <a:ea typeface="Gill Sans"/>
+              <a:cs typeface="Gill Sans"/>
+              <a:sym typeface="Gill Sans"/>
+            </a:endParaRPr>
+          </a:p>
+        </p:txBody>
+      </p:sp>
+      <p:sp>
+        <p:nvSpPr>
+          <p:cNvPr id="32" name="Google Shape;174;p29"/>
+          <p:cNvSpPr/>
+          <p:nvPr/>
+        </p:nvSpPr>
+        <p:spPr>
+          <a:xfrm>
+            <a:off x="4641733" y="3174000"/>
+            <a:ext cx="144000" cy="72043"/>
           </a:xfrm>
           <a:prstGeom prst="rightArrow">
             <a:avLst>
@@ -22467,13 +22025,13 @@
       </p:sp>
       <p:sp>
         <p:nvSpPr>
-          <p:cNvPr id="31" name="Google Shape;170;p29"/>
+          <p:cNvPr id="33" name="Google Shape;170;p29"/>
           <p:cNvSpPr/>
           <p:nvPr/>
         </p:nvSpPr>
         <p:spPr>
           <a:xfrm>
-            <a:off x="3709046" y="2932908"/>
+            <a:off x="4846478" y="2932908"/>
             <a:ext cx="695638" cy="526757"/>
           </a:xfrm>
           <a:prstGeom prst="roundRect">
@@ -22510,7 +22068,7 @@
               <a:buNone/>
             </a:pPr>
             <a:r>
-              <a:rPr lang="en" sz="700" dirty="0">
+              <a:rPr lang="en" sz="700" dirty="0" smtClean="0">
                 <a:solidFill>
                   <a:schemeClr val="dk1"/>
                 </a:solidFill>
@@ -22519,7 +22077,496 @@
                 <a:cs typeface="Gill Sans"/>
                 <a:sym typeface="Gill Sans"/>
               </a:rPr>
-              <a:t>Notification to document owner</a:t>
+              <a:t>Upload Document</a:t>
+            </a:r>
+            <a:endParaRPr sz="700" dirty="0">
+              <a:solidFill>
+                <a:schemeClr val="dk1"/>
+              </a:solidFill>
+              <a:latin typeface="Gill Sans"/>
+              <a:ea typeface="Gill Sans"/>
+              <a:cs typeface="Gill Sans"/>
+              <a:sym typeface="Gill Sans"/>
+            </a:endParaRPr>
+          </a:p>
+        </p:txBody>
+      </p:sp>
+      <p:sp>
+        <p:nvSpPr>
+          <p:cNvPr id="34" name="Bent-Up Arrow 33"/>
+          <p:cNvSpPr/>
+          <p:nvPr/>
+        </p:nvSpPr>
+        <p:spPr>
+          <a:xfrm flipV="1">
+            <a:off x="6669163" y="3182225"/>
+            <a:ext cx="216000" cy="108000"/>
+          </a:xfrm>
+          <a:prstGeom prst="bentUpArrow">
+            <a:avLst/>
+          </a:prstGeom>
+        </p:spPr>
+        <p:style>
+          <a:lnRef idx="2">
+            <a:schemeClr val="accent1">
+              <a:shade val="50000"/>
+            </a:schemeClr>
+          </a:lnRef>
+          <a:fillRef idx="1">
+            <a:schemeClr val="accent1"/>
+          </a:fillRef>
+          <a:effectRef idx="0">
+            <a:schemeClr val="accent1"/>
+          </a:effectRef>
+          <a:fontRef idx="minor">
+            <a:schemeClr val="lt1"/>
+          </a:fontRef>
+        </p:style>
+        <p:txBody>
+          <a:bodyPr rtlCol="0" anchor="ctr"/>
+          <a:lstStyle/>
+          <a:p>
+            <a:pPr algn="ctr"/>
+            <a:endParaRPr lang="en-PH"/>
+          </a:p>
+        </p:txBody>
+      </p:sp>
+      <p:sp>
+        <p:nvSpPr>
+          <p:cNvPr id="35" name="Google Shape;174;p29"/>
+          <p:cNvSpPr/>
+          <p:nvPr/>
+        </p:nvSpPr>
+        <p:spPr>
+          <a:xfrm>
+            <a:off x="7432568" y="3937600"/>
+            <a:ext cx="144000" cy="72043"/>
+          </a:xfrm>
+          <a:prstGeom prst="rightArrow">
+            <a:avLst>
+              <a:gd name="adj1" fmla="val 50000"/>
+              <a:gd name="adj2" fmla="val 50000"/>
+            </a:avLst>
+          </a:prstGeom>
+          <a:solidFill>
+            <a:srgbClr val="C67C07"/>
+          </a:solidFill>
+          <a:ln w="12700" cap="flat" cmpd="sng">
+            <a:solidFill>
+              <a:srgbClr val="C67C07"/>
+            </a:solidFill>
+            <a:prstDash val="solid"/>
+            <a:round/>
+            <a:headEnd type="none" w="sm" len="sm"/>
+            <a:tailEnd type="none" w="sm" len="sm"/>
+          </a:ln>
+        </p:spPr>
+        <p:txBody>
+          <a:bodyPr spcFirstLastPara="1" wrap="square" lIns="68575" tIns="34275" rIns="68575" bIns="34275" anchor="ctr" anchorCtr="0">
+            <a:noAutofit/>
+          </a:bodyPr>
+          <a:lstStyle/>
+          <a:p>
+            <a:pPr marL="0" marR="0" lvl="0" indent="0" algn="ctr" rtl="0">
+              <a:spcBef>
+                <a:spcPts val="0"/>
+              </a:spcBef>
+              <a:spcAft>
+                <a:spcPts val="0"/>
+              </a:spcAft>
+              <a:buNone/>
+            </a:pPr>
+            <a:endParaRPr sz="1400">
+              <a:solidFill>
+                <a:schemeClr val="lt1"/>
+              </a:solidFill>
+              <a:latin typeface="Gill Sans"/>
+              <a:ea typeface="Gill Sans"/>
+              <a:cs typeface="Gill Sans"/>
+              <a:sym typeface="Gill Sans"/>
+            </a:endParaRPr>
+          </a:p>
+        </p:txBody>
+      </p:sp>
+      <p:sp>
+        <p:nvSpPr>
+          <p:cNvPr id="36" name="Google Shape;168;p29"/>
+          <p:cNvSpPr/>
+          <p:nvPr/>
+        </p:nvSpPr>
+        <p:spPr>
+          <a:xfrm>
+            <a:off x="7624904" y="3734046"/>
+            <a:ext cx="695638" cy="526757"/>
+          </a:xfrm>
+          <a:prstGeom prst="roundRect">
+            <a:avLst>
+              <a:gd name="adj" fmla="val 16667"/>
+            </a:avLst>
+          </a:prstGeom>
+          <a:solidFill>
+            <a:srgbClr val="D8D8D8"/>
+          </a:solidFill>
+          <a:ln w="12700" cap="flat" cmpd="sng">
+            <a:solidFill>
+              <a:srgbClr val="924B23"/>
+            </a:solidFill>
+            <a:prstDash val="solid"/>
+            <a:round/>
+            <a:headEnd type="none" w="sm" len="sm"/>
+            <a:tailEnd type="none" w="sm" len="sm"/>
+          </a:ln>
+        </p:spPr>
+        <p:txBody>
+          <a:bodyPr spcFirstLastPara="1" wrap="square" lIns="68575" tIns="34275" rIns="68575" bIns="34275" anchor="ctr" anchorCtr="0">
+            <a:noAutofit/>
+          </a:bodyPr>
+          <a:lstStyle/>
+          <a:p>
+            <a:pPr marL="0" marR="0" lvl="0" indent="0" algn="ctr" rtl="0">
+              <a:spcBef>
+                <a:spcPts val="0"/>
+              </a:spcBef>
+              <a:spcAft>
+                <a:spcPts val="0"/>
+              </a:spcAft>
+              <a:buNone/>
+            </a:pPr>
+            <a:r>
+              <a:rPr lang="en" sz="700" dirty="0" smtClean="0">
+                <a:solidFill>
+                  <a:schemeClr val="dk1"/>
+                </a:solidFill>
+                <a:latin typeface="Gill Sans"/>
+                <a:ea typeface="Gill Sans"/>
+                <a:cs typeface="Gill Sans"/>
+                <a:sym typeface="Gill Sans"/>
+              </a:rPr>
+              <a:t>Search, View, or download documents</a:t>
+            </a:r>
+            <a:endParaRPr sz="700" dirty="0">
+              <a:solidFill>
+                <a:schemeClr val="dk1"/>
+              </a:solidFill>
+              <a:latin typeface="Gill Sans"/>
+              <a:ea typeface="Gill Sans"/>
+              <a:cs typeface="Gill Sans"/>
+              <a:sym typeface="Gill Sans"/>
+            </a:endParaRPr>
+          </a:p>
+        </p:txBody>
+      </p:sp>
+      <p:sp>
+        <p:nvSpPr>
+          <p:cNvPr id="37" name="Google Shape;180;p29"/>
+          <p:cNvSpPr txBox="1"/>
+          <p:nvPr/>
+        </p:nvSpPr>
+        <p:spPr>
+          <a:xfrm>
+            <a:off x="4322081" y="2176232"/>
+            <a:ext cx="783303" cy="372135"/>
+          </a:xfrm>
+          <a:prstGeom prst="rect">
+            <a:avLst/>
+          </a:prstGeom>
+          <a:noFill/>
+          <a:ln>
+            <a:noFill/>
+          </a:ln>
+        </p:spPr>
+        <p:txBody>
+          <a:bodyPr spcFirstLastPara="1" wrap="square" lIns="68575" tIns="34275" rIns="68575" bIns="34275" anchor="t" anchorCtr="0">
+            <a:noAutofit/>
+          </a:bodyPr>
+          <a:lstStyle/>
+          <a:p>
+            <a:pPr marL="0" marR="0" lvl="0" indent="0" algn="l" rtl="0">
+              <a:spcBef>
+                <a:spcPts val="0"/>
+              </a:spcBef>
+              <a:spcAft>
+                <a:spcPts val="0"/>
+              </a:spcAft>
+              <a:buNone/>
+            </a:pPr>
+            <a:r>
+              <a:rPr lang="en" sz="900" dirty="0" smtClean="0">
+                <a:solidFill>
+                  <a:schemeClr val="dk1"/>
+                </a:solidFill>
+                <a:latin typeface="Gill Sans"/>
+                <a:ea typeface="Gill Sans"/>
+                <a:cs typeface="Gill Sans"/>
+                <a:sym typeface="Gill Sans"/>
+              </a:rPr>
+              <a:t>Document Management</a:t>
+            </a:r>
+            <a:endParaRPr sz="900" dirty="0">
+              <a:solidFill>
+                <a:schemeClr val="dk1"/>
+              </a:solidFill>
+              <a:latin typeface="Gill Sans"/>
+              <a:ea typeface="Gill Sans"/>
+              <a:cs typeface="Gill Sans"/>
+              <a:sym typeface="Gill Sans"/>
+            </a:endParaRPr>
+          </a:p>
+        </p:txBody>
+      </p:sp>
+      <p:sp>
+        <p:nvSpPr>
+          <p:cNvPr id="38" name="Google Shape;174;p29"/>
+          <p:cNvSpPr/>
+          <p:nvPr/>
+        </p:nvSpPr>
+        <p:spPr>
+          <a:xfrm>
+            <a:off x="2715463" y="3173999"/>
+            <a:ext cx="144000" cy="72043"/>
+          </a:xfrm>
+          <a:prstGeom prst="rightArrow">
+            <a:avLst>
+              <a:gd name="adj1" fmla="val 50000"/>
+              <a:gd name="adj2" fmla="val 50000"/>
+            </a:avLst>
+          </a:prstGeom>
+          <a:solidFill>
+            <a:srgbClr val="C67C07"/>
+          </a:solidFill>
+          <a:ln w="12700" cap="flat" cmpd="sng">
+            <a:solidFill>
+              <a:srgbClr val="C67C07"/>
+            </a:solidFill>
+            <a:prstDash val="solid"/>
+            <a:round/>
+            <a:headEnd type="none" w="sm" len="sm"/>
+            <a:tailEnd type="none" w="sm" len="sm"/>
+          </a:ln>
+        </p:spPr>
+        <p:txBody>
+          <a:bodyPr spcFirstLastPara="1" wrap="square" lIns="68575" tIns="34275" rIns="68575" bIns="34275" anchor="ctr" anchorCtr="0">
+            <a:noAutofit/>
+          </a:bodyPr>
+          <a:lstStyle/>
+          <a:p>
+            <a:pPr marL="0" marR="0" lvl="0" indent="0" algn="ctr" rtl="0">
+              <a:spcBef>
+                <a:spcPts val="0"/>
+              </a:spcBef>
+              <a:spcAft>
+                <a:spcPts val="0"/>
+              </a:spcAft>
+              <a:buNone/>
+            </a:pPr>
+            <a:endParaRPr sz="1400">
+              <a:solidFill>
+                <a:schemeClr val="lt1"/>
+              </a:solidFill>
+              <a:latin typeface="Gill Sans"/>
+              <a:ea typeface="Gill Sans"/>
+              <a:cs typeface="Gill Sans"/>
+              <a:sym typeface="Gill Sans"/>
+            </a:endParaRPr>
+          </a:p>
+        </p:txBody>
+      </p:sp>
+      <p:cxnSp>
+        <p:nvCxnSpPr>
+          <p:cNvPr id="39" name="Google Shape;164;p29"/>
+          <p:cNvCxnSpPr/>
+          <p:nvPr/>
+        </p:nvCxnSpPr>
+        <p:spPr>
+          <a:xfrm>
+            <a:off x="6605086" y="2788530"/>
+            <a:ext cx="12445" cy="1584000"/>
+          </a:xfrm>
+          <a:prstGeom prst="straightConnector1">
+            <a:avLst/>
+          </a:prstGeom>
+          <a:noFill/>
+          <a:ln w="9525" cap="flat" cmpd="sng">
+            <a:solidFill>
+              <a:schemeClr val="dk1"/>
+            </a:solidFill>
+            <a:prstDash val="solid"/>
+            <a:round/>
+            <a:headEnd type="none" w="sm" len="sm"/>
+            <a:tailEnd type="none" w="sm" len="sm"/>
+          </a:ln>
+        </p:spPr>
+      </p:cxnSp>
+      <p:sp>
+        <p:nvSpPr>
+          <p:cNvPr id="40" name="Google Shape;180;p29"/>
+          <p:cNvSpPr txBox="1"/>
+          <p:nvPr/>
+        </p:nvSpPr>
+        <p:spPr>
+          <a:xfrm>
+            <a:off x="7184916" y="2176232"/>
+            <a:ext cx="783303" cy="372135"/>
+          </a:xfrm>
+          <a:prstGeom prst="rect">
+            <a:avLst/>
+          </a:prstGeom>
+          <a:noFill/>
+          <a:ln>
+            <a:noFill/>
+          </a:ln>
+        </p:spPr>
+        <p:txBody>
+          <a:bodyPr spcFirstLastPara="1" wrap="square" lIns="68575" tIns="34275" rIns="68575" bIns="34275" anchor="t" anchorCtr="0">
+            <a:noAutofit/>
+          </a:bodyPr>
+          <a:lstStyle/>
+          <a:p>
+            <a:pPr marL="0" marR="0" lvl="0" indent="0" algn="l" rtl="0">
+              <a:spcBef>
+                <a:spcPts val="0"/>
+              </a:spcBef>
+              <a:spcAft>
+                <a:spcPts val="0"/>
+              </a:spcAft>
+              <a:buNone/>
+            </a:pPr>
+            <a:r>
+              <a:rPr lang="en" sz="900" dirty="0" smtClean="0">
+                <a:solidFill>
+                  <a:schemeClr val="dk1"/>
+                </a:solidFill>
+                <a:latin typeface="Gill Sans"/>
+                <a:ea typeface="Gill Sans"/>
+                <a:cs typeface="Gill Sans"/>
+                <a:sym typeface="Gill Sans"/>
+              </a:rPr>
+              <a:t>Search, View, or Download Documents</a:t>
+            </a:r>
+            <a:endParaRPr sz="900" dirty="0">
+              <a:solidFill>
+                <a:schemeClr val="dk1"/>
+              </a:solidFill>
+              <a:latin typeface="Gill Sans"/>
+              <a:ea typeface="Gill Sans"/>
+              <a:cs typeface="Gill Sans"/>
+              <a:sym typeface="Gill Sans"/>
+            </a:endParaRPr>
+          </a:p>
+        </p:txBody>
+      </p:sp>
+      <p:sp>
+        <p:nvSpPr>
+          <p:cNvPr id="41" name="Google Shape;174;p29"/>
+          <p:cNvSpPr/>
+          <p:nvPr/>
+        </p:nvSpPr>
+        <p:spPr>
+          <a:xfrm>
+            <a:off x="5597676" y="3173505"/>
+            <a:ext cx="144000" cy="72043"/>
+          </a:xfrm>
+          <a:prstGeom prst="rightArrow">
+            <a:avLst>
+              <a:gd name="adj1" fmla="val 50000"/>
+              <a:gd name="adj2" fmla="val 50000"/>
+            </a:avLst>
+          </a:prstGeom>
+          <a:solidFill>
+            <a:srgbClr val="C67C07"/>
+          </a:solidFill>
+          <a:ln w="12700" cap="flat" cmpd="sng">
+            <a:solidFill>
+              <a:srgbClr val="C67C07"/>
+            </a:solidFill>
+            <a:prstDash val="solid"/>
+            <a:round/>
+            <a:headEnd type="none" w="sm" len="sm"/>
+            <a:tailEnd type="none" w="sm" len="sm"/>
+          </a:ln>
+        </p:spPr>
+        <p:txBody>
+          <a:bodyPr spcFirstLastPara="1" wrap="square" lIns="68575" tIns="34275" rIns="68575" bIns="34275" anchor="ctr" anchorCtr="0">
+            <a:noAutofit/>
+          </a:bodyPr>
+          <a:lstStyle/>
+          <a:p>
+            <a:pPr marL="0" marR="0" lvl="0" indent="0" algn="ctr" rtl="0">
+              <a:spcBef>
+                <a:spcPts val="0"/>
+              </a:spcBef>
+              <a:spcAft>
+                <a:spcPts val="0"/>
+              </a:spcAft>
+              <a:buNone/>
+            </a:pPr>
+            <a:endParaRPr sz="1400">
+              <a:solidFill>
+                <a:schemeClr val="lt1"/>
+              </a:solidFill>
+              <a:latin typeface="Gill Sans"/>
+              <a:ea typeface="Gill Sans"/>
+              <a:cs typeface="Gill Sans"/>
+              <a:sym typeface="Gill Sans"/>
+            </a:endParaRPr>
+          </a:p>
+        </p:txBody>
+      </p:sp>
+      <p:sp>
+        <p:nvSpPr>
+          <p:cNvPr id="42" name="Google Shape;170;p29"/>
+          <p:cNvSpPr/>
+          <p:nvPr/>
+        </p:nvSpPr>
+        <p:spPr>
+          <a:xfrm>
+            <a:off x="5802421" y="2932413"/>
+            <a:ext cx="695638" cy="526757"/>
+          </a:xfrm>
+          <a:prstGeom prst="roundRect">
+            <a:avLst>
+              <a:gd name="adj" fmla="val 16667"/>
+            </a:avLst>
+          </a:prstGeom>
+          <a:solidFill>
+            <a:srgbClr val="D8D8D8"/>
+          </a:solidFill>
+          <a:ln w="12700" cap="flat" cmpd="sng">
+            <a:solidFill>
+              <a:srgbClr val="924B23"/>
+            </a:solidFill>
+            <a:prstDash val="solid"/>
+            <a:round/>
+            <a:headEnd type="none" w="sm" len="sm"/>
+            <a:tailEnd type="none" w="sm" len="sm"/>
+          </a:ln>
+        </p:spPr>
+        <p:txBody>
+          <a:bodyPr spcFirstLastPara="1" wrap="square" lIns="68575" tIns="34275" rIns="68575" bIns="34275" anchor="ctr" anchorCtr="0">
+            <a:noAutofit/>
+          </a:bodyPr>
+          <a:lstStyle/>
+          <a:p>
+            <a:pPr marL="0" marR="0" lvl="0" indent="0" algn="ctr" rtl="0">
+              <a:spcBef>
+                <a:spcPts val="0"/>
+              </a:spcBef>
+              <a:spcAft>
+                <a:spcPts val="0"/>
+              </a:spcAft>
+              <a:buNone/>
+            </a:pPr>
+            <a:r>
+              <a:rPr lang="en" sz="700" dirty="0" smtClean="0">
+                <a:solidFill>
+                  <a:schemeClr val="dk1"/>
+                </a:solidFill>
+                <a:latin typeface="Gill Sans"/>
+                <a:ea typeface="Gill Sans"/>
+                <a:cs typeface="Gill Sans"/>
+                <a:sym typeface="Gill Sans"/>
+              </a:rPr>
+              <a:t>Add, Edit, Delete</a:t>
             </a:r>
             <a:endParaRPr sz="700" dirty="0">
               <a:solidFill>
